--- a/lessons/E_DataPrep_Rpart_RF/B_Decision Trees.pptx
+++ b/lessons/E_DataPrep_Rpart_RF/B_Decision Trees.pptx
@@ -246,7 +246,7 @@
           <a:p>
             <a:fld id="{B0C0A60C-850A-4EA4-9C14-A8FE98B94505}" type="datetimeFigureOut">
               <a:rPr lang="en-US" smtClean="0"/>
-              <a:t>5/17/23</a:t>
+              <a:t>5/29/23</a:t>
             </a:fld>
             <a:endParaRPr lang="en-US"/>
           </a:p>
@@ -1140,7 +1140,7 @@
           <a:p>
             <a:fld id="{5738B90E-0779-4C36-915C-6F05FCD89456}" type="datetime1">
               <a:rPr lang="en-US" smtClean="0"/>
-              <a:t>5/17/23</a:t>
+              <a:t>5/29/23</a:t>
             </a:fld>
             <a:endParaRPr lang="en-US"/>
           </a:p>
@@ -1323,7 +1323,7 @@
           <a:p>
             <a:fld id="{7B9EA29D-D431-42FE-B7B6-AAE4454C77D3}" type="datetime1">
               <a:rPr lang="en-US" smtClean="0"/>
-              <a:t>5/17/23</a:t>
+              <a:t>5/29/23</a:t>
             </a:fld>
             <a:endParaRPr lang="en-US"/>
           </a:p>
@@ -1566,7 +1566,7 @@
           <a:p>
             <a:fld id="{690D8A1E-EA8F-46C1-B891-AE0C00D9C314}" type="datetime1">
               <a:rPr lang="en-US" smtClean="0"/>
-              <a:t>5/17/23</a:t>
+              <a:t>5/29/23</a:t>
             </a:fld>
             <a:endParaRPr lang="en-US"/>
           </a:p>
@@ -1825,7 +1825,7 @@
           <a:p>
             <a:fld id="{D753EFC8-4232-4598-94F6-94C0EBAFC469}" type="datetime1">
               <a:rPr lang="en-US" smtClean="0"/>
-              <a:t>5/17/23</a:t>
+              <a:t>5/29/23</a:t>
             </a:fld>
             <a:endParaRPr lang="en-US"/>
           </a:p>
@@ -2105,7 +2105,7 @@
           <a:p>
             <a:fld id="{F3161074-1C18-4AE7-957D-F18524378C85}" type="datetime1">
               <a:rPr lang="en-US" smtClean="0"/>
-              <a:t>5/17/23</a:t>
+              <a:t>5/29/23</a:t>
             </a:fld>
             <a:endParaRPr lang="en-US"/>
           </a:p>
@@ -2344,7 +2344,7 @@
           <a:p>
             <a:fld id="{69BE256C-8D9A-4404-B47D-41A1AE514425}" type="datetime1">
               <a:rPr lang="en-US" smtClean="0"/>
-              <a:t>5/17/23</a:t>
+              <a:t>5/29/23</a:t>
             </a:fld>
             <a:endParaRPr lang="en-US"/>
           </a:p>
@@ -2743,7 +2743,7 @@
           <a:p>
             <a:fld id="{66CB2154-9035-4012-8189-BAAB61C5A5EE}" type="datetime1">
               <a:rPr lang="en-US" smtClean="0"/>
-              <a:t>5/17/23</a:t>
+              <a:t>5/29/23</a:t>
             </a:fld>
             <a:endParaRPr lang="en-US"/>
           </a:p>
@@ -2900,7 +2900,7 @@
           <a:p>
             <a:fld id="{6700A58B-DD98-43D0-B791-721480A02982}" type="datetime1">
               <a:rPr lang="en-US" smtClean="0"/>
-              <a:t>5/17/23</a:t>
+              <a:t>5/29/23</a:t>
             </a:fld>
             <a:endParaRPr lang="en-US"/>
           </a:p>
@@ -3057,7 +3057,7 @@
           <a:p>
             <a:fld id="{7DB6E382-4F61-4E24-BE1A-377EC83D0E3A}" type="datetime1">
               <a:rPr lang="en-US" smtClean="0"/>
-              <a:t>5/17/23</a:t>
+              <a:t>5/29/23</a:t>
             </a:fld>
             <a:endParaRPr lang="en-US"/>
           </a:p>
@@ -3333,7 +3333,7 @@
           <a:p>
             <a:fld id="{4142EED6-FC16-45B9-B8C4-2BC5DBA88325}" type="datetime1">
               <a:rPr lang="en-US" smtClean="0"/>
-              <a:t>5/17/23</a:t>
+              <a:t>5/29/23</a:t>
             </a:fld>
             <a:endParaRPr lang="en-US"/>
           </a:p>
@@ -3616,7 +3616,7 @@
           <a:p>
             <a:fld id="{DF59512B-4F1D-43D7-8819-2F53FEF69650}" type="datetime1">
               <a:rPr lang="en-US" smtClean="0"/>
-              <a:t>5/17/23</a:t>
+              <a:t>5/29/23</a:t>
             </a:fld>
             <a:endParaRPr lang="en-US"/>
           </a:p>
@@ -3857,7 +3857,7 @@
           <a:p>
             <a:fld id="{08437B94-E2BF-44DC-ADC5-B05FC9934E9D}" type="datetime1">
               <a:rPr lang="en-US" smtClean="0"/>
-              <a:t>5/17/23</a:t>
+              <a:t>5/29/23</a:t>
             </a:fld>
             <a:endParaRPr lang="en-US"/>
           </a:p>
@@ -4377,7 +4377,7 @@
           <a:p>
             <a:fld id="{5738B90E-0779-4C36-915C-6F05FCD89456}" type="datetime1">
               <a:rPr lang="en-US" smtClean="0"/>
-              <a:t>5/17/23</a:t>
+              <a:t>5/29/23</a:t>
             </a:fld>
             <a:endParaRPr lang="en-US"/>
           </a:p>
@@ -4511,7 +4511,7 @@
           <a:p>
             <a:fld id="{6700A58B-DD98-43D0-B791-721480A02982}" type="datetime1">
               <a:rPr lang="en-US" smtClean="0"/>
-              <a:t>5/17/23</a:t>
+              <a:t>5/29/23</a:t>
             </a:fld>
             <a:endParaRPr lang="en-US"/>
           </a:p>
@@ -4883,7 +4883,7 @@
           <a:p>
             <a:fld id="{6700A58B-DD98-43D0-B791-721480A02982}" type="datetime1">
               <a:rPr lang="en-US" smtClean="0"/>
-              <a:t>5/17/23</a:t>
+              <a:t>5/29/23</a:t>
             </a:fld>
             <a:endParaRPr lang="en-US"/>
           </a:p>
@@ -5196,7 +5196,7 @@
           <a:p>
             <a:fld id="{6700A58B-DD98-43D0-B791-721480A02982}" type="datetime1">
               <a:rPr lang="en-US" smtClean="0"/>
-              <a:t>5/17/23</a:t>
+              <a:t>5/29/23</a:t>
             </a:fld>
             <a:endParaRPr lang="en-US"/>
           </a:p>
@@ -5509,7 +5509,7 @@
           <a:p>
             <a:fld id="{6700A58B-DD98-43D0-B791-721480A02982}" type="datetime1">
               <a:rPr lang="en-US" smtClean="0"/>
-              <a:t>5/17/23</a:t>
+              <a:t>5/29/23</a:t>
             </a:fld>
             <a:endParaRPr lang="en-US"/>
           </a:p>
@@ -5960,7 +5960,7 @@
           <a:p>
             <a:fld id="{6700A58B-DD98-43D0-B791-721480A02982}" type="datetime1">
               <a:rPr lang="en-US" smtClean="0"/>
-              <a:t>5/17/23</a:t>
+              <a:t>5/29/23</a:t>
             </a:fld>
             <a:endParaRPr lang="en-US"/>
           </a:p>
@@ -6772,7 +6772,7 @@
           <a:p>
             <a:fld id="{6700A58B-DD98-43D0-B791-721480A02982}" type="datetime1">
               <a:rPr lang="en-US" smtClean="0"/>
-              <a:t>5/17/23</a:t>
+              <a:t>5/29/23</a:t>
             </a:fld>
             <a:endParaRPr lang="en-US"/>
           </a:p>
@@ -8352,7 +8352,7 @@
           <a:p>
             <a:fld id="{6700A58B-DD98-43D0-B791-721480A02982}" type="datetime1">
               <a:rPr lang="en-US" smtClean="0"/>
-              <a:t>5/17/23</a:t>
+              <a:t>5/29/23</a:t>
             </a:fld>
             <a:endParaRPr lang="en-US"/>
           </a:p>
@@ -9260,7 +9260,7 @@
           <a:p>
             <a:fld id="{6700A58B-DD98-43D0-B791-721480A02982}" type="datetime1">
               <a:rPr lang="en-US" smtClean="0"/>
-              <a:t>5/17/23</a:t>
+              <a:t>5/29/23</a:t>
             </a:fld>
             <a:endParaRPr lang="en-US"/>
           </a:p>
@@ -10213,7 +10213,7 @@
           <a:p>
             <a:fld id="{6700A58B-DD98-43D0-B791-721480A02982}" type="datetime1">
               <a:rPr lang="en-US" smtClean="0"/>
-              <a:t>5/17/23</a:t>
+              <a:t>5/29/23</a:t>
             </a:fld>
             <a:endParaRPr lang="en-US"/>
           </a:p>
@@ -10555,7 +10555,7 @@
           <a:p>
             <a:fld id="{6700A58B-DD98-43D0-B791-721480A02982}" type="datetime1">
               <a:rPr lang="en-US" smtClean="0"/>
-              <a:t>5/17/23</a:t>
+              <a:t>5/29/23</a:t>
             </a:fld>
             <a:endParaRPr lang="en-US"/>
           </a:p>
@@ -10901,7 +10901,7 @@
           <a:p>
             <a:fld id="{6700A58B-DD98-43D0-B791-721480A02982}" type="datetime1">
               <a:rPr lang="en-US" smtClean="0"/>
-              <a:t>5/17/23</a:t>
+              <a:t>5/29/23</a:t>
             </a:fld>
             <a:endParaRPr lang="en-US"/>
           </a:p>
@@ -12379,7 +12379,7 @@
                 <a:tabLst/>
                 <a:defRPr/>
               </a:pPr>
-              <a:t>5/17/23</a:t>
+              <a:t>5/29/23</a:t>
             </a:fld>
             <a:endParaRPr kumimoji="0" lang="en-US" sz="900" b="0" i="0" u="none" strike="noStrike" kern="1200" cap="none" spc="0" normalizeH="0" baseline="0" noProof="0">
               <a:ln>
@@ -13855,7 +13855,7 @@
                 <a:tabLst/>
                 <a:defRPr/>
               </a:pPr>
-              <a:t>5/17/23</a:t>
+              <a:t>5/29/23</a:t>
             </a:fld>
             <a:endParaRPr kumimoji="0" lang="en-US" sz="900" b="0" i="0" u="none" strike="noStrike" kern="1200" cap="none" spc="0" normalizeH="0" baseline="0" noProof="0">
               <a:ln>
@@ -15393,7 +15393,7 @@
                 <a:tabLst/>
                 <a:defRPr/>
               </a:pPr>
-              <a:t>5/17/23</a:t>
+              <a:t>5/29/23</a:t>
             </a:fld>
             <a:endParaRPr kumimoji="0" lang="en-US" sz="900" b="0" i="0" u="none" strike="noStrike" kern="1200" cap="none" spc="0" normalizeH="0" baseline="0" noProof="0">
               <a:ln>
@@ -16032,7 +16032,7 @@
                 <a:tabLst/>
                 <a:defRPr/>
               </a:pPr>
-              <a:t>5/17/23</a:t>
+              <a:t>5/29/23</a:t>
             </a:fld>
             <a:endParaRPr kumimoji="0" lang="en-US" sz="900" b="0" i="0" u="none" strike="noStrike" kern="1200" cap="none" spc="0" normalizeH="0" baseline="0" noProof="0">
               <a:ln>
@@ -16716,7 +16716,7 @@
           <a:p>
             <a:fld id="{9B19E99B-5349-415A-8E56-8E989211A366}" type="datetime1">
               <a:rPr lang="en-US" smtClean="0"/>
-              <a:t>5/17/23</a:t>
+              <a:t>5/29/23</a:t>
             </a:fld>
             <a:endParaRPr lang="en-US"/>
           </a:p>
@@ -16878,7 +16878,7 @@
           <a:p>
             <a:fld id="{6700A58B-DD98-43D0-B791-721480A02982}" type="datetime1">
               <a:rPr lang="en-US" smtClean="0"/>
-              <a:t>5/17/23</a:t>
+              <a:t>5/29/23</a:t>
             </a:fld>
             <a:endParaRPr lang="en-US"/>
           </a:p>
@@ -17143,7 +17143,7 @@
           <a:p>
             <a:fld id="{6700A58B-DD98-43D0-B791-721480A02982}" type="datetime1">
               <a:rPr lang="en-US" smtClean="0"/>
-              <a:t>5/17/23</a:t>
+              <a:t>5/29/23</a:t>
             </a:fld>
             <a:endParaRPr lang="en-US"/>
           </a:p>
@@ -17479,7 +17479,7 @@
           <a:p>
             <a:fld id="{6700A58B-DD98-43D0-B791-721480A02982}" type="datetime1">
               <a:rPr lang="en-US" smtClean="0"/>
-              <a:t>5/17/23</a:t>
+              <a:t>5/29/23</a:t>
             </a:fld>
             <a:endParaRPr lang="en-US"/>
           </a:p>
@@ -17959,7 +17959,7 @@
           <a:p>
             <a:fld id="{6700A58B-DD98-43D0-B791-721480A02982}" type="datetime1">
               <a:rPr lang="en-US" smtClean="0"/>
-              <a:t>5/17/23</a:t>
+              <a:t>5/29/23</a:t>
             </a:fld>
             <a:endParaRPr lang="en-US"/>
           </a:p>
@@ -19424,7 +19424,7 @@
           <a:p>
             <a:fld id="{6700A58B-DD98-43D0-B791-721480A02982}" type="datetime1">
               <a:rPr lang="en-US" smtClean="0"/>
-              <a:t>5/17/23</a:t>
+              <a:t>5/29/23</a:t>
             </a:fld>
             <a:endParaRPr lang="en-US"/>
           </a:p>
@@ -19842,7 +19842,7 @@
           <a:p>
             <a:fld id="{6700A58B-DD98-43D0-B791-721480A02982}" type="datetime1">
               <a:rPr lang="en-US" smtClean="0"/>
-              <a:t>5/17/23</a:t>
+              <a:t>5/29/23</a:t>
             </a:fld>
             <a:endParaRPr lang="en-US"/>
           </a:p>
@@ -20098,7 +20098,7 @@
           <a:p>
             <a:fld id="{6700A58B-DD98-43D0-B791-721480A02982}" type="datetime1">
               <a:rPr lang="en-US" smtClean="0"/>
-              <a:t>5/17/23</a:t>
+              <a:t>5/29/23</a:t>
             </a:fld>
             <a:endParaRPr lang="en-US"/>
           </a:p>
@@ -21077,7 +21077,7 @@
           <a:p>
             <a:fld id="{6700A58B-DD98-43D0-B791-721480A02982}" type="datetime1">
               <a:rPr lang="en-US" smtClean="0"/>
-              <a:t>5/17/23</a:t>
+              <a:t>5/29/23</a:t>
             </a:fld>
             <a:endParaRPr lang="en-US"/>
           </a:p>
@@ -22129,7 +22129,7 @@
           <a:p>
             <a:fld id="{6700A58B-DD98-43D0-B791-721480A02982}" type="datetime1">
               <a:rPr lang="en-US" smtClean="0"/>
-              <a:t>5/17/23</a:t>
+              <a:t>5/29/23</a:t>
             </a:fld>
             <a:endParaRPr lang="en-US"/>
           </a:p>
@@ -22307,7 +22307,7 @@
           <a:p>
             <a:fld id="{6700A58B-DD98-43D0-B791-721480A02982}" type="datetime1">
               <a:rPr lang="en-US" smtClean="0"/>
-              <a:t>5/17/23</a:t>
+              <a:t>5/29/23</a:t>
             </a:fld>
             <a:endParaRPr lang="en-US"/>
           </a:p>
@@ -22964,7 +22964,7 @@
           <a:p>
             <a:fld id="{6700A58B-DD98-43D0-B791-721480A02982}" type="datetime1">
               <a:rPr lang="en-US" smtClean="0"/>
-              <a:t>5/17/23</a:t>
+              <a:t>5/29/23</a:t>
             </a:fld>
             <a:endParaRPr lang="en-US"/>
           </a:p>
@@ -23803,7 +23803,7 @@
           <a:p>
             <a:fld id="{6700A58B-DD98-43D0-B791-721480A02982}" type="datetime1">
               <a:rPr lang="en-US" smtClean="0"/>
-              <a:t>5/17/23</a:t>
+              <a:t>5/29/23</a:t>
             </a:fld>
             <a:endParaRPr lang="en-US"/>
           </a:p>
@@ -24681,7 +24681,7 @@
           <a:p>
             <a:fld id="{6700A58B-DD98-43D0-B791-721480A02982}" type="datetime1">
               <a:rPr lang="en-US" smtClean="0"/>
-              <a:t>5/17/23</a:t>
+              <a:t>5/29/23</a:t>
             </a:fld>
             <a:endParaRPr lang="en-US"/>
           </a:p>
@@ -24922,7 +24922,7 @@
           <a:p>
             <a:fld id="{9B19E99B-5349-415A-8E56-8E989211A366}" type="datetime1">
               <a:rPr lang="en-US" smtClean="0"/>
-              <a:t>5/17/23</a:t>
+              <a:t>5/29/23</a:t>
             </a:fld>
             <a:endParaRPr lang="en-US"/>
           </a:p>
@@ -25054,7 +25054,7 @@
           <a:p>
             <a:fld id="{6700A58B-DD98-43D0-B791-721480A02982}" type="datetime1">
               <a:rPr lang="en-US" smtClean="0"/>
-              <a:t>5/17/23</a:t>
+              <a:t>5/29/23</a:t>
             </a:fld>
             <a:endParaRPr lang="en-US"/>
           </a:p>
@@ -25305,7 +25305,7 @@
           <a:p>
             <a:fld id="{6700A58B-DD98-43D0-B791-721480A02982}" type="datetime1">
               <a:rPr lang="en-US" smtClean="0"/>
-              <a:t>5/17/23</a:t>
+              <a:t>5/29/23</a:t>
             </a:fld>
             <a:endParaRPr lang="en-US"/>
           </a:p>
@@ -25536,7 +25536,7 @@
           <a:p>
             <a:fld id="{6700A58B-DD98-43D0-B791-721480A02982}" type="datetime1">
               <a:rPr lang="en-US" smtClean="0"/>
-              <a:t>5/17/23</a:t>
+              <a:t>5/29/23</a:t>
             </a:fld>
             <a:endParaRPr lang="en-US"/>
           </a:p>
@@ -25999,7 +25999,7 @@
           <a:p>
             <a:fld id="{9B19E99B-5349-415A-8E56-8E989211A366}" type="datetime1">
               <a:rPr lang="en-US" smtClean="0"/>
-              <a:t>5/17/23</a:t>
+              <a:t>5/29/23</a:t>
             </a:fld>
             <a:endParaRPr lang="en-US"/>
           </a:p>
@@ -26131,7 +26131,7 @@
           <a:p>
             <a:fld id="{6700A58B-DD98-43D0-B791-721480A02982}" type="datetime1">
               <a:rPr lang="en-US" smtClean="0"/>
-              <a:t>5/17/23</a:t>
+              <a:t>5/29/23</a:t>
             </a:fld>
             <a:endParaRPr lang="en-US"/>
           </a:p>

--- a/lessons/E_DataPrep_Rpart_RF/B_Decision Trees.pptx
+++ b/lessons/E_DataPrep_Rpart_RF/B_Decision Trees.pptx
@@ -246,7 +246,7 @@
           <a:p>
             <a:fld id="{B0C0A60C-850A-4EA4-9C14-A8FE98B94505}" type="datetimeFigureOut">
               <a:rPr lang="en-US" smtClean="0"/>
-              <a:t>5/29/23</a:t>
+              <a:t>5/30/23</a:t>
             </a:fld>
             <a:endParaRPr lang="en-US"/>
           </a:p>
@@ -1140,7 +1140,7 @@
           <a:p>
             <a:fld id="{5738B90E-0779-4C36-915C-6F05FCD89456}" type="datetime1">
               <a:rPr lang="en-US" smtClean="0"/>
-              <a:t>5/29/23</a:t>
+              <a:t>5/30/23</a:t>
             </a:fld>
             <a:endParaRPr lang="en-US"/>
           </a:p>
@@ -1323,7 +1323,7 @@
           <a:p>
             <a:fld id="{7B9EA29D-D431-42FE-B7B6-AAE4454C77D3}" type="datetime1">
               <a:rPr lang="en-US" smtClean="0"/>
-              <a:t>5/29/23</a:t>
+              <a:t>5/30/23</a:t>
             </a:fld>
             <a:endParaRPr lang="en-US"/>
           </a:p>
@@ -1566,7 +1566,7 @@
           <a:p>
             <a:fld id="{690D8A1E-EA8F-46C1-B891-AE0C00D9C314}" type="datetime1">
               <a:rPr lang="en-US" smtClean="0"/>
-              <a:t>5/29/23</a:t>
+              <a:t>5/30/23</a:t>
             </a:fld>
             <a:endParaRPr lang="en-US"/>
           </a:p>
@@ -1825,7 +1825,7 @@
           <a:p>
             <a:fld id="{D753EFC8-4232-4598-94F6-94C0EBAFC469}" type="datetime1">
               <a:rPr lang="en-US" smtClean="0"/>
-              <a:t>5/29/23</a:t>
+              <a:t>5/30/23</a:t>
             </a:fld>
             <a:endParaRPr lang="en-US"/>
           </a:p>
@@ -2105,7 +2105,7 @@
           <a:p>
             <a:fld id="{F3161074-1C18-4AE7-957D-F18524378C85}" type="datetime1">
               <a:rPr lang="en-US" smtClean="0"/>
-              <a:t>5/29/23</a:t>
+              <a:t>5/30/23</a:t>
             </a:fld>
             <a:endParaRPr lang="en-US"/>
           </a:p>
@@ -2344,7 +2344,7 @@
           <a:p>
             <a:fld id="{69BE256C-8D9A-4404-B47D-41A1AE514425}" type="datetime1">
               <a:rPr lang="en-US" smtClean="0"/>
-              <a:t>5/29/23</a:t>
+              <a:t>5/30/23</a:t>
             </a:fld>
             <a:endParaRPr lang="en-US"/>
           </a:p>
@@ -2743,7 +2743,7 @@
           <a:p>
             <a:fld id="{66CB2154-9035-4012-8189-BAAB61C5A5EE}" type="datetime1">
               <a:rPr lang="en-US" smtClean="0"/>
-              <a:t>5/29/23</a:t>
+              <a:t>5/30/23</a:t>
             </a:fld>
             <a:endParaRPr lang="en-US"/>
           </a:p>
@@ -2900,7 +2900,7 @@
           <a:p>
             <a:fld id="{6700A58B-DD98-43D0-B791-721480A02982}" type="datetime1">
               <a:rPr lang="en-US" smtClean="0"/>
-              <a:t>5/29/23</a:t>
+              <a:t>5/30/23</a:t>
             </a:fld>
             <a:endParaRPr lang="en-US"/>
           </a:p>
@@ -3057,7 +3057,7 @@
           <a:p>
             <a:fld id="{7DB6E382-4F61-4E24-BE1A-377EC83D0E3A}" type="datetime1">
               <a:rPr lang="en-US" smtClean="0"/>
-              <a:t>5/29/23</a:t>
+              <a:t>5/30/23</a:t>
             </a:fld>
             <a:endParaRPr lang="en-US"/>
           </a:p>
@@ -3333,7 +3333,7 @@
           <a:p>
             <a:fld id="{4142EED6-FC16-45B9-B8C4-2BC5DBA88325}" type="datetime1">
               <a:rPr lang="en-US" smtClean="0"/>
-              <a:t>5/29/23</a:t>
+              <a:t>5/30/23</a:t>
             </a:fld>
             <a:endParaRPr lang="en-US"/>
           </a:p>
@@ -3616,7 +3616,7 @@
           <a:p>
             <a:fld id="{DF59512B-4F1D-43D7-8819-2F53FEF69650}" type="datetime1">
               <a:rPr lang="en-US" smtClean="0"/>
-              <a:t>5/29/23</a:t>
+              <a:t>5/30/23</a:t>
             </a:fld>
             <a:endParaRPr lang="en-US"/>
           </a:p>
@@ -3857,7 +3857,7 @@
           <a:p>
             <a:fld id="{08437B94-E2BF-44DC-ADC5-B05FC9934E9D}" type="datetime1">
               <a:rPr lang="en-US" smtClean="0"/>
-              <a:t>5/29/23</a:t>
+              <a:t>5/30/23</a:t>
             </a:fld>
             <a:endParaRPr lang="en-US"/>
           </a:p>
@@ -4377,7 +4377,7 @@
           <a:p>
             <a:fld id="{5738B90E-0779-4C36-915C-6F05FCD89456}" type="datetime1">
               <a:rPr lang="en-US" smtClean="0"/>
-              <a:t>5/29/23</a:t>
+              <a:t>5/30/23</a:t>
             </a:fld>
             <a:endParaRPr lang="en-US"/>
           </a:p>
@@ -4511,7 +4511,7 @@
           <a:p>
             <a:fld id="{6700A58B-DD98-43D0-B791-721480A02982}" type="datetime1">
               <a:rPr lang="en-US" smtClean="0"/>
-              <a:t>5/29/23</a:t>
+              <a:t>5/30/23</a:t>
             </a:fld>
             <a:endParaRPr lang="en-US"/>
           </a:p>
@@ -4883,7 +4883,7 @@
           <a:p>
             <a:fld id="{6700A58B-DD98-43D0-B791-721480A02982}" type="datetime1">
               <a:rPr lang="en-US" smtClean="0"/>
-              <a:t>5/29/23</a:t>
+              <a:t>5/30/23</a:t>
             </a:fld>
             <a:endParaRPr lang="en-US"/>
           </a:p>
@@ -5196,7 +5196,7 @@
           <a:p>
             <a:fld id="{6700A58B-DD98-43D0-B791-721480A02982}" type="datetime1">
               <a:rPr lang="en-US" smtClean="0"/>
-              <a:t>5/29/23</a:t>
+              <a:t>5/30/23</a:t>
             </a:fld>
             <a:endParaRPr lang="en-US"/>
           </a:p>
@@ -5509,7 +5509,7 @@
           <a:p>
             <a:fld id="{6700A58B-DD98-43D0-B791-721480A02982}" type="datetime1">
               <a:rPr lang="en-US" smtClean="0"/>
-              <a:t>5/29/23</a:t>
+              <a:t>5/30/23</a:t>
             </a:fld>
             <a:endParaRPr lang="en-US"/>
           </a:p>
@@ -5960,7 +5960,7 @@
           <a:p>
             <a:fld id="{6700A58B-DD98-43D0-B791-721480A02982}" type="datetime1">
               <a:rPr lang="en-US" smtClean="0"/>
-              <a:t>5/29/23</a:t>
+              <a:t>5/30/23</a:t>
             </a:fld>
             <a:endParaRPr lang="en-US"/>
           </a:p>
@@ -6772,7 +6772,7 @@
           <a:p>
             <a:fld id="{6700A58B-DD98-43D0-B791-721480A02982}" type="datetime1">
               <a:rPr lang="en-US" smtClean="0"/>
-              <a:t>5/29/23</a:t>
+              <a:t>5/30/23</a:t>
             </a:fld>
             <a:endParaRPr lang="en-US"/>
           </a:p>
@@ -8352,7 +8352,7 @@
           <a:p>
             <a:fld id="{6700A58B-DD98-43D0-B791-721480A02982}" type="datetime1">
               <a:rPr lang="en-US" smtClean="0"/>
-              <a:t>5/29/23</a:t>
+              <a:t>5/30/23</a:t>
             </a:fld>
             <a:endParaRPr lang="en-US"/>
           </a:p>
@@ -9260,7 +9260,7 @@
           <a:p>
             <a:fld id="{6700A58B-DD98-43D0-B791-721480A02982}" type="datetime1">
               <a:rPr lang="en-US" smtClean="0"/>
-              <a:t>5/29/23</a:t>
+              <a:t>5/30/23</a:t>
             </a:fld>
             <a:endParaRPr lang="en-US"/>
           </a:p>
@@ -10213,7 +10213,7 @@
           <a:p>
             <a:fld id="{6700A58B-DD98-43D0-B791-721480A02982}" type="datetime1">
               <a:rPr lang="en-US" smtClean="0"/>
-              <a:t>5/29/23</a:t>
+              <a:t>5/30/23</a:t>
             </a:fld>
             <a:endParaRPr lang="en-US"/>
           </a:p>
@@ -10555,7 +10555,7 @@
           <a:p>
             <a:fld id="{6700A58B-DD98-43D0-B791-721480A02982}" type="datetime1">
               <a:rPr lang="en-US" smtClean="0"/>
-              <a:t>5/29/23</a:t>
+              <a:t>5/30/23</a:t>
             </a:fld>
             <a:endParaRPr lang="en-US"/>
           </a:p>
@@ -10901,7 +10901,7 @@
           <a:p>
             <a:fld id="{6700A58B-DD98-43D0-B791-721480A02982}" type="datetime1">
               <a:rPr lang="en-US" smtClean="0"/>
-              <a:t>5/29/23</a:t>
+              <a:t>5/30/23</a:t>
             </a:fld>
             <a:endParaRPr lang="en-US"/>
           </a:p>
@@ -11108,7 +11108,15 @@
             </a:pPr>
             <a:r>
               <a:rPr lang="en-US" sz="1200" dirty="0"/>
-              <a:t>Regression, Logistic Regression, KNN etc.</a:t>
+              <a:t>Regression, Logistic Regression, KNN, </a:t>
+            </a:r>
+            <a:r>
+              <a:rPr lang="en-US" sz="1200" dirty="0" err="1"/>
+              <a:t>rpart</a:t>
+            </a:r>
+            <a:r>
+              <a:rPr lang="en-US" sz="1200" dirty="0"/>
+              <a:t>, ranger/RF etc.</a:t>
             </a:r>
           </a:p>
           <a:p>
@@ -12379,7 +12387,7 @@
                 <a:tabLst/>
                 <a:defRPr/>
               </a:pPr>
-              <a:t>5/29/23</a:t>
+              <a:t>5/30/23</a:t>
             </a:fld>
             <a:endParaRPr kumimoji="0" lang="en-US" sz="900" b="0" i="0" u="none" strike="noStrike" kern="1200" cap="none" spc="0" normalizeH="0" baseline="0" noProof="0">
               <a:ln>
@@ -13855,7 +13863,7 @@
                 <a:tabLst/>
                 <a:defRPr/>
               </a:pPr>
-              <a:t>5/29/23</a:t>
+              <a:t>5/30/23</a:t>
             </a:fld>
             <a:endParaRPr kumimoji="0" lang="en-US" sz="900" b="0" i="0" u="none" strike="noStrike" kern="1200" cap="none" spc="0" normalizeH="0" baseline="0" noProof="0">
               <a:ln>
@@ -15393,7 +15401,7 @@
                 <a:tabLst/>
                 <a:defRPr/>
               </a:pPr>
-              <a:t>5/29/23</a:t>
+              <a:t>5/30/23</a:t>
             </a:fld>
             <a:endParaRPr kumimoji="0" lang="en-US" sz="900" b="0" i="0" u="none" strike="noStrike" kern="1200" cap="none" spc="0" normalizeH="0" baseline="0" noProof="0">
               <a:ln>
@@ -16032,7 +16040,7 @@
                 <a:tabLst/>
                 <a:defRPr/>
               </a:pPr>
-              <a:t>5/29/23</a:t>
+              <a:t>5/30/23</a:t>
             </a:fld>
             <a:endParaRPr kumimoji="0" lang="en-US" sz="900" b="0" i="0" u="none" strike="noStrike" kern="1200" cap="none" spc="0" normalizeH="0" baseline="0" noProof="0">
               <a:ln>
@@ -16716,7 +16724,7 @@
           <a:p>
             <a:fld id="{9B19E99B-5349-415A-8E56-8E989211A366}" type="datetime1">
               <a:rPr lang="en-US" smtClean="0"/>
-              <a:t>5/29/23</a:t>
+              <a:t>5/30/23</a:t>
             </a:fld>
             <a:endParaRPr lang="en-US"/>
           </a:p>
@@ -16878,7 +16886,7 @@
           <a:p>
             <a:fld id="{6700A58B-DD98-43D0-B791-721480A02982}" type="datetime1">
               <a:rPr lang="en-US" smtClean="0"/>
-              <a:t>5/29/23</a:t>
+              <a:t>5/30/23</a:t>
             </a:fld>
             <a:endParaRPr lang="en-US"/>
           </a:p>
@@ -17143,7 +17151,7 @@
           <a:p>
             <a:fld id="{6700A58B-DD98-43D0-B791-721480A02982}" type="datetime1">
               <a:rPr lang="en-US" smtClean="0"/>
-              <a:t>5/29/23</a:t>
+              <a:t>5/30/23</a:t>
             </a:fld>
             <a:endParaRPr lang="en-US"/>
           </a:p>
@@ -17479,7 +17487,7 @@
           <a:p>
             <a:fld id="{6700A58B-DD98-43D0-B791-721480A02982}" type="datetime1">
               <a:rPr lang="en-US" smtClean="0"/>
-              <a:t>5/29/23</a:t>
+              <a:t>5/30/23</a:t>
             </a:fld>
             <a:endParaRPr lang="en-US"/>
           </a:p>
@@ -17959,7 +17967,7 @@
           <a:p>
             <a:fld id="{6700A58B-DD98-43D0-B791-721480A02982}" type="datetime1">
               <a:rPr lang="en-US" smtClean="0"/>
-              <a:t>5/29/23</a:t>
+              <a:t>5/30/23</a:t>
             </a:fld>
             <a:endParaRPr lang="en-US"/>
           </a:p>
@@ -19424,7 +19432,7 @@
           <a:p>
             <a:fld id="{6700A58B-DD98-43D0-B791-721480A02982}" type="datetime1">
               <a:rPr lang="en-US" smtClean="0"/>
-              <a:t>5/29/23</a:t>
+              <a:t>5/30/23</a:t>
             </a:fld>
             <a:endParaRPr lang="en-US"/>
           </a:p>
@@ -19842,7 +19850,7 @@
           <a:p>
             <a:fld id="{6700A58B-DD98-43D0-B791-721480A02982}" type="datetime1">
               <a:rPr lang="en-US" smtClean="0"/>
-              <a:t>5/29/23</a:t>
+              <a:t>5/30/23</a:t>
             </a:fld>
             <a:endParaRPr lang="en-US"/>
           </a:p>
@@ -20098,7 +20106,7 @@
           <a:p>
             <a:fld id="{6700A58B-DD98-43D0-B791-721480A02982}" type="datetime1">
               <a:rPr lang="en-US" smtClean="0"/>
-              <a:t>5/29/23</a:t>
+              <a:t>5/30/23</a:t>
             </a:fld>
             <a:endParaRPr lang="en-US"/>
           </a:p>
@@ -21077,7 +21085,7 @@
           <a:p>
             <a:fld id="{6700A58B-DD98-43D0-B791-721480A02982}" type="datetime1">
               <a:rPr lang="en-US" smtClean="0"/>
-              <a:t>5/29/23</a:t>
+              <a:t>5/30/23</a:t>
             </a:fld>
             <a:endParaRPr lang="en-US"/>
           </a:p>
@@ -22129,7 +22137,7 @@
           <a:p>
             <a:fld id="{6700A58B-DD98-43D0-B791-721480A02982}" type="datetime1">
               <a:rPr lang="en-US" smtClean="0"/>
-              <a:t>5/29/23</a:t>
+              <a:t>5/30/23</a:t>
             </a:fld>
             <a:endParaRPr lang="en-US"/>
           </a:p>
@@ -22307,7 +22315,7 @@
           <a:p>
             <a:fld id="{6700A58B-DD98-43D0-B791-721480A02982}" type="datetime1">
               <a:rPr lang="en-US" smtClean="0"/>
-              <a:t>5/29/23</a:t>
+              <a:t>5/30/23</a:t>
             </a:fld>
             <a:endParaRPr lang="en-US"/>
           </a:p>
@@ -22964,7 +22972,7 @@
           <a:p>
             <a:fld id="{6700A58B-DD98-43D0-B791-721480A02982}" type="datetime1">
               <a:rPr lang="en-US" smtClean="0"/>
-              <a:t>5/29/23</a:t>
+              <a:t>5/30/23</a:t>
             </a:fld>
             <a:endParaRPr lang="en-US"/>
           </a:p>
@@ -23803,7 +23811,7 @@
           <a:p>
             <a:fld id="{6700A58B-DD98-43D0-B791-721480A02982}" type="datetime1">
               <a:rPr lang="en-US" smtClean="0"/>
-              <a:t>5/29/23</a:t>
+              <a:t>5/30/23</a:t>
             </a:fld>
             <a:endParaRPr lang="en-US"/>
           </a:p>
@@ -24681,7 +24689,7 @@
           <a:p>
             <a:fld id="{6700A58B-DD98-43D0-B791-721480A02982}" type="datetime1">
               <a:rPr lang="en-US" smtClean="0"/>
-              <a:t>5/29/23</a:t>
+              <a:t>5/30/23</a:t>
             </a:fld>
             <a:endParaRPr lang="en-US"/>
           </a:p>
@@ -24922,7 +24930,7 @@
           <a:p>
             <a:fld id="{9B19E99B-5349-415A-8E56-8E989211A366}" type="datetime1">
               <a:rPr lang="en-US" smtClean="0"/>
-              <a:t>5/29/23</a:t>
+              <a:t>5/30/23</a:t>
             </a:fld>
             <a:endParaRPr lang="en-US"/>
           </a:p>
@@ -25054,7 +25062,7 @@
           <a:p>
             <a:fld id="{6700A58B-DD98-43D0-B791-721480A02982}" type="datetime1">
               <a:rPr lang="en-US" smtClean="0"/>
-              <a:t>5/29/23</a:t>
+              <a:t>5/30/23</a:t>
             </a:fld>
             <a:endParaRPr lang="en-US"/>
           </a:p>
@@ -25161,7 +25169,7 @@
             </a:pPr>
             <a:r>
               <a:rPr lang="en-US" dirty="0"/>
-              <a:t>Light weight, fast</a:t>
+              <a:t>Lightweight, fast</a:t>
             </a:r>
           </a:p>
           <a:p>
@@ -25305,7 +25313,7 @@
           <a:p>
             <a:fld id="{6700A58B-DD98-43D0-B791-721480A02982}" type="datetime1">
               <a:rPr lang="en-US" smtClean="0"/>
-              <a:t>5/29/23</a:t>
+              <a:t>5/30/23</a:t>
             </a:fld>
             <a:endParaRPr lang="en-US"/>
           </a:p>
@@ -25536,7 +25544,7 @@
           <a:p>
             <a:fld id="{6700A58B-DD98-43D0-B791-721480A02982}" type="datetime1">
               <a:rPr lang="en-US" smtClean="0"/>
-              <a:t>5/29/23</a:t>
+              <a:t>5/30/23</a:t>
             </a:fld>
             <a:endParaRPr lang="en-US"/>
           </a:p>
@@ -25999,7 +26007,7 @@
           <a:p>
             <a:fld id="{9B19E99B-5349-415A-8E56-8E989211A366}" type="datetime1">
               <a:rPr lang="en-US" smtClean="0"/>
-              <a:t>5/29/23</a:t>
+              <a:t>5/30/23</a:t>
             </a:fld>
             <a:endParaRPr lang="en-US"/>
           </a:p>
@@ -26131,7 +26139,7 @@
           <a:p>
             <a:fld id="{6700A58B-DD98-43D0-B791-721480A02982}" type="datetime1">
               <a:rPr lang="en-US" smtClean="0"/>
-              <a:t>5/29/23</a:t>
+              <a:t>5/30/23</a:t>
             </a:fld>
             <a:endParaRPr lang="en-US"/>
           </a:p>
